--- a/Project Design Presentation My Vacation.pptx
+++ b/Project Design Presentation My Vacation.pptx
@@ -268,7 +268,7 @@
           <a:p>
             <a:fld id="{0EF95162-6873-F647-B392-BF6A1F606277}" type="datetimeFigureOut">
               <a:rPr lang="it-IT" smtClean="0"/>
-              <a:t>30/11/22</a:t>
+              <a:t>03/12/22</a:t>
             </a:fld>
             <a:endParaRPr lang="it-IT"/>
           </a:p>
@@ -722,7 +722,7 @@
           <a:p>
             <a:fld id="{2FDCBEE4-315A-8E42-835E-29A1DAE07625}" type="datetimeFigureOut">
               <a:rPr lang="it-IT" smtClean="0"/>
-              <a:t>30/11/22</a:t>
+              <a:t>03/12/22</a:t>
             </a:fld>
             <a:endParaRPr lang="it-IT"/>
           </a:p>
@@ -914,7 +914,7 @@
           <a:p>
             <a:fld id="{2FDCBEE4-315A-8E42-835E-29A1DAE07625}" type="datetimeFigureOut">
               <a:rPr lang="it-IT" smtClean="0"/>
-              <a:t>30/11/22</a:t>
+              <a:t>03/12/22</a:t>
             </a:fld>
             <a:endParaRPr lang="it-IT"/>
           </a:p>
@@ -1116,7 +1116,7 @@
           <a:p>
             <a:fld id="{2FDCBEE4-315A-8E42-835E-29A1DAE07625}" type="datetimeFigureOut">
               <a:rPr lang="it-IT" smtClean="0"/>
-              <a:t>30/11/22</a:t>
+              <a:t>03/12/22</a:t>
             </a:fld>
             <a:endParaRPr lang="it-IT"/>
           </a:p>
@@ -1308,7 +1308,7 @@
           <a:p>
             <a:fld id="{2FDCBEE4-315A-8E42-835E-29A1DAE07625}" type="datetimeFigureOut">
               <a:rPr lang="it-IT" smtClean="0"/>
-              <a:t>30/11/22</a:t>
+              <a:t>03/12/22</a:t>
             </a:fld>
             <a:endParaRPr lang="it-IT"/>
           </a:p>
@@ -1577,7 +1577,7 @@
           <a:p>
             <a:fld id="{2FDCBEE4-315A-8E42-835E-29A1DAE07625}" type="datetimeFigureOut">
               <a:rPr lang="it-IT" smtClean="0"/>
-              <a:t>30/11/22</a:t>
+              <a:t>03/12/22</a:t>
             </a:fld>
             <a:endParaRPr lang="it-IT"/>
           </a:p>
@@ -1886,7 +1886,7 @@
           <a:p>
             <a:fld id="{2FDCBEE4-315A-8E42-835E-29A1DAE07625}" type="datetimeFigureOut">
               <a:rPr lang="it-IT" smtClean="0"/>
-              <a:t>30/11/22</a:t>
+              <a:t>03/12/22</a:t>
             </a:fld>
             <a:endParaRPr lang="it-IT"/>
           </a:p>
@@ -2329,7 +2329,7 @@
           <a:p>
             <a:fld id="{2FDCBEE4-315A-8E42-835E-29A1DAE07625}" type="datetimeFigureOut">
               <a:rPr lang="it-IT" smtClean="0"/>
-              <a:t>30/11/22</a:t>
+              <a:t>03/12/22</a:t>
             </a:fld>
             <a:endParaRPr lang="it-IT"/>
           </a:p>
@@ -2470,7 +2470,7 @@
           <a:p>
             <a:fld id="{2FDCBEE4-315A-8E42-835E-29A1DAE07625}" type="datetimeFigureOut">
               <a:rPr lang="it-IT" smtClean="0"/>
-              <a:t>30/11/22</a:t>
+              <a:t>03/12/22</a:t>
             </a:fld>
             <a:endParaRPr lang="it-IT"/>
           </a:p>
@@ -2589,7 +2589,7 @@
           <a:p>
             <a:fld id="{2FDCBEE4-315A-8E42-835E-29A1DAE07625}" type="datetimeFigureOut">
               <a:rPr lang="it-IT" smtClean="0"/>
-              <a:t>30/11/22</a:t>
+              <a:t>03/12/22</a:t>
             </a:fld>
             <a:endParaRPr lang="it-IT"/>
           </a:p>
@@ -2888,7 +2888,7 @@
           <a:p>
             <a:fld id="{2FDCBEE4-315A-8E42-835E-29A1DAE07625}" type="datetimeFigureOut">
               <a:rPr lang="it-IT" smtClean="0"/>
-              <a:t>30/11/22</a:t>
+              <a:t>03/12/22</a:t>
             </a:fld>
             <a:endParaRPr lang="it-IT"/>
           </a:p>
@@ -3164,7 +3164,7 @@
           <a:p>
             <a:fld id="{2FDCBEE4-315A-8E42-835E-29A1DAE07625}" type="datetimeFigureOut">
               <a:rPr lang="it-IT" smtClean="0"/>
-              <a:t>30/11/22</a:t>
+              <a:t>03/12/22</a:t>
             </a:fld>
             <a:endParaRPr lang="it-IT"/>
           </a:p>
@@ -3995,7 +3995,7 @@
         <p:spPr>
           <a:xfrm>
             <a:off x="424543" y="1404256"/>
-            <a:ext cx="8343900" cy="1477328"/>
+            <a:ext cx="8343900" cy="2862322"/>
           </a:xfrm>
           <a:prstGeom prst="rect">
             <a:avLst/>
@@ -4026,7 +4026,7 @@
             </a:r>
             <a:r>
               <a:rPr lang="en-US" i="1" dirty="0"/>
-              <a:t> and activities</a:t>
+              <a:t> and activities.</a:t>
             </a:r>
             <a:endParaRPr lang="en-US" b="1" i="1" dirty="0"/>
           </a:p>
@@ -4053,8 +4053,12 @@
               <a:buChar char="•"/>
             </a:pPr>
             <a:r>
+              <a:rPr lang="en-US" b="1" dirty="0"/>
+              <a:t>Host </a:t>
+            </a:r>
+            <a:r>
               <a:rPr lang="en-US" dirty="0"/>
-              <a:t>Users can post an advertisement (accommodation or activity)</a:t>
+              <a:t>can publish, edit or remove an advertisement (accommodation or activity)</a:t>
             </a:r>
           </a:p>
           <a:p>
@@ -4063,9 +4067,109 @@
               <a:buChar char="•"/>
             </a:pPr>
             <a:r>
+              <a:rPr lang="en-US" b="1" dirty="0"/>
+              <a:t>Users </a:t>
+            </a:r>
+            <a:r>
               <a:rPr lang="en-US" dirty="0"/>
-              <a:t>Users can book an accommodation or an activity</a:t>
-            </a:r>
+              <a:t>can book an accommodation or an activity</a:t>
+            </a:r>
+          </a:p>
+          <a:p>
+            <a:pPr marL="285750" indent="-285750">
+              <a:buFont typeface="Arial" panose="020B0604020202020204" pitchFamily="34" charset="0"/>
+              <a:buChar char="•"/>
+            </a:pPr>
+            <a:r>
+              <a:rPr lang="en-US" b="1" dirty="0"/>
+              <a:t>Users</a:t>
+            </a:r>
+            <a:r>
+              <a:rPr lang="en-US" dirty="0"/>
+              <a:t> can review an </a:t>
+            </a:r>
+            <a:r>
+              <a:rPr lang="en-US" dirty="0" err="1"/>
+              <a:t>accomodation</a:t>
+            </a:r>
+            <a:r>
+              <a:rPr lang="en-US" dirty="0"/>
+              <a:t> or an activity</a:t>
+            </a:r>
+          </a:p>
+          <a:p>
+            <a:pPr marL="285750" indent="-285750">
+              <a:buFont typeface="Arial" panose="020B0604020202020204" pitchFamily="34" charset="0"/>
+              <a:buChar char="•"/>
+            </a:pPr>
+            <a:r>
+              <a:rPr lang="en-US" dirty="0"/>
+              <a:t>Each </a:t>
+            </a:r>
+            <a:r>
+              <a:rPr lang="en-US" b="1" dirty="0"/>
+              <a:t>user </a:t>
+            </a:r>
+            <a:r>
+              <a:rPr lang="en-US" dirty="0"/>
+              <a:t>can add </a:t>
+            </a:r>
+            <a:r>
+              <a:rPr lang="en-US" dirty="0" err="1"/>
+              <a:t>accomodation</a:t>
+            </a:r>
+            <a:r>
+              <a:rPr lang="en-US" dirty="0"/>
+              <a:t> or activity in his personal </a:t>
+            </a:r>
+            <a:r>
+              <a:rPr lang="en-US" dirty="0" err="1"/>
+              <a:t>wishlist</a:t>
+            </a:r>
+            <a:endParaRPr lang="en-US" dirty="0"/>
+          </a:p>
+          <a:p>
+            <a:pPr marL="285750" indent="-285750">
+              <a:buFont typeface="Arial" panose="020B0604020202020204" pitchFamily="34" charset="0"/>
+              <a:buChar char="•"/>
+            </a:pPr>
+            <a:r>
+              <a:rPr lang="en-US" b="1" dirty="0"/>
+              <a:t>Admin </a:t>
+            </a:r>
+            <a:r>
+              <a:rPr lang="en-US" dirty="0"/>
+              <a:t>can manage users, host and reviews. </a:t>
+            </a:r>
+          </a:p>
+          <a:p>
+            <a:pPr marL="285750" indent="-285750">
+              <a:buFont typeface="Arial" panose="020B0604020202020204" pitchFamily="34" charset="0"/>
+              <a:buChar char="•"/>
+            </a:pPr>
+            <a:r>
+              <a:rPr lang="en-US" b="1" dirty="0"/>
+              <a:t>Admin </a:t>
+            </a:r>
+            <a:r>
+              <a:rPr lang="en-US" dirty="0"/>
+              <a:t>can approve or disapprove an advertisement.</a:t>
+            </a:r>
+          </a:p>
+          <a:p>
+            <a:pPr marL="285750" indent="-285750">
+              <a:buFont typeface="Arial" panose="020B0604020202020204" pitchFamily="34" charset="0"/>
+              <a:buChar char="•"/>
+            </a:pPr>
+            <a:r>
+              <a:rPr lang="en-US" b="1" dirty="0"/>
+              <a:t>Admin </a:t>
+            </a:r>
+            <a:r>
+              <a:rPr lang="en-US" dirty="0"/>
+              <a:t>have access to analytics about application and advertisement.</a:t>
+            </a:r>
+            <a:endParaRPr lang="en-US" b="1" dirty="0"/>
           </a:p>
         </p:txBody>
       </p:sp>
@@ -4369,10 +4473,10 @@
       </p:sp>
       <p:pic>
         <p:nvPicPr>
-          <p:cNvPr id="6" name="Immagine 5">
+          <p:cNvPr id="4" name="Immagine 3">
             <a:extLst>
               <a:ext uri="{FF2B5EF4-FFF2-40B4-BE49-F238E27FC236}">
-                <a16:creationId xmlns:a16="http://schemas.microsoft.com/office/drawing/2014/main" id="{F833FB66-88E3-368B-C2AB-224E8CE88CCB}"/>
+                <a16:creationId xmlns:a16="http://schemas.microsoft.com/office/drawing/2014/main" id="{5B0254A3-6A27-F84A-AB14-4D31D5222E6D}"/>
               </a:ext>
             </a:extLst>
           </p:cNvPr>
@@ -4389,8 +4493,8 @@
         </p:blipFill>
         <p:spPr>
           <a:xfrm>
-            <a:off x="2530338" y="1021569"/>
-            <a:ext cx="4083323" cy="5005018"/>
+            <a:off x="2152650" y="924024"/>
+            <a:ext cx="4463023" cy="5207269"/>
           </a:xfrm>
           <a:prstGeom prst="rect">
             <a:avLst/>
@@ -4461,6 +4565,411 @@
               <a:rPr lang="en-US" dirty="0"/>
               <a:t>handled by Document DB</a:t>
             </a:r>
+          </a:p>
+        </p:txBody>
+      </p:sp>
+      <p:sp>
+        <p:nvSpPr>
+          <p:cNvPr id="4" name="CasellaDiTesto 3">
+            <a:extLst>
+              <a:ext uri="{FF2B5EF4-FFF2-40B4-BE49-F238E27FC236}">
+                <a16:creationId xmlns:a16="http://schemas.microsoft.com/office/drawing/2014/main" id="{9850F341-BDD5-1447-B803-A82D623D7318}"/>
+              </a:ext>
+            </a:extLst>
+          </p:cNvPr>
+          <p:cNvSpPr txBox="1"/>
+          <p:nvPr/>
+        </p:nvSpPr>
+        <p:spPr>
+          <a:xfrm>
+            <a:off x="835269" y="1310054"/>
+            <a:ext cx="6666697" cy="4524315"/>
+          </a:xfrm>
+          <a:prstGeom prst="rect">
+            <a:avLst/>
+          </a:prstGeom>
+          <a:noFill/>
+        </p:spPr>
+        <p:txBody>
+          <a:bodyPr wrap="none" rtlCol="0">
+            <a:spAutoFit/>
+          </a:bodyPr>
+          <a:lstStyle/>
+          <a:p>
+            <a:r>
+              <a:rPr lang="it-IT" b="1" dirty="0" err="1"/>
+              <a:t>Entities</a:t>
+            </a:r>
+            <a:r>
+              <a:rPr lang="it-IT" b="1" dirty="0"/>
+              <a:t>:</a:t>
+            </a:r>
+          </a:p>
+          <a:p>
+            <a:pPr marL="285750" indent="-285750">
+              <a:buFont typeface="Arial" panose="020B0604020202020204" pitchFamily="34" charset="0"/>
+              <a:buChar char="•"/>
+            </a:pPr>
+            <a:r>
+              <a:rPr lang="it-IT" dirty="0"/>
+              <a:t>User</a:t>
+            </a:r>
+          </a:p>
+          <a:p>
+            <a:pPr marL="285750" indent="-285750">
+              <a:buFont typeface="Arial" panose="020B0604020202020204" pitchFamily="34" charset="0"/>
+              <a:buChar char="•"/>
+            </a:pPr>
+            <a:r>
+              <a:rPr lang="it-IT" dirty="0" err="1"/>
+              <a:t>Accomodation</a:t>
+            </a:r>
+            <a:endParaRPr lang="it-IT" dirty="0"/>
+          </a:p>
+          <a:p>
+            <a:pPr marL="285750" indent="-285750">
+              <a:buFont typeface="Arial" panose="020B0604020202020204" pitchFamily="34" charset="0"/>
+              <a:buChar char="•"/>
+            </a:pPr>
+            <a:r>
+              <a:rPr lang="it-IT" dirty="0" err="1"/>
+              <a:t>Review</a:t>
+            </a:r>
+            <a:endParaRPr lang="it-IT" dirty="0"/>
+          </a:p>
+          <a:p>
+            <a:pPr marL="285750" indent="-285750">
+              <a:buFont typeface="Arial" panose="020B0604020202020204" pitchFamily="34" charset="0"/>
+              <a:buChar char="•"/>
+            </a:pPr>
+            <a:r>
+              <a:rPr lang="it-IT" dirty="0"/>
+              <a:t>Activity</a:t>
+            </a:r>
+          </a:p>
+          <a:p>
+            <a:pPr marL="285750" indent="-285750">
+              <a:buFont typeface="Arial" panose="020B0604020202020204" pitchFamily="34" charset="0"/>
+              <a:buChar char="•"/>
+            </a:pPr>
+            <a:r>
+              <a:rPr lang="it-IT" dirty="0" err="1"/>
+              <a:t>Prenotation</a:t>
+            </a:r>
+            <a:endParaRPr lang="it-IT" dirty="0"/>
+          </a:p>
+          <a:p>
+            <a:pPr marL="285750" indent="-285750">
+              <a:buFont typeface="Arial" panose="020B0604020202020204" pitchFamily="34" charset="0"/>
+              <a:buChar char="•"/>
+            </a:pPr>
+            <a:r>
+              <a:rPr lang="it-IT" dirty="0" err="1"/>
+              <a:t>Admin</a:t>
+            </a:r>
+            <a:endParaRPr lang="it-IT" dirty="0"/>
+          </a:p>
+          <a:p>
+            <a:pPr marL="285750" indent="-285750">
+              <a:buFont typeface="Arial" panose="020B0604020202020204" pitchFamily="34" charset="0"/>
+              <a:buChar char="•"/>
+            </a:pPr>
+            <a:endParaRPr lang="it-IT" b="1" dirty="0"/>
+          </a:p>
+          <a:p>
+            <a:r>
+              <a:rPr lang="it-IT" b="1" dirty="0" err="1"/>
+              <a:t>Queries</a:t>
+            </a:r>
+            <a:r>
+              <a:rPr lang="it-IT" b="1" dirty="0"/>
+              <a:t>:</a:t>
+            </a:r>
+          </a:p>
+          <a:p>
+            <a:pPr marL="285750" indent="-285750">
+              <a:buFont typeface="Arial" panose="020B0604020202020204" pitchFamily="34" charset="0"/>
+              <a:buChar char="•"/>
+            </a:pPr>
+            <a:r>
+              <a:rPr lang="it-IT" dirty="0"/>
+              <a:t>Show </a:t>
+            </a:r>
+            <a:r>
+              <a:rPr lang="it-IT" dirty="0" err="1"/>
+              <a:t>advertisement</a:t>
+            </a:r>
+            <a:r>
+              <a:rPr lang="it-IT" dirty="0"/>
+              <a:t> </a:t>
+            </a:r>
+            <a:r>
+              <a:rPr lang="it-IT" dirty="0" err="1"/>
+              <a:t>filtered</a:t>
+            </a:r>
+            <a:r>
+              <a:rPr lang="it-IT" dirty="0"/>
+              <a:t> by city, </a:t>
+            </a:r>
+            <a:r>
+              <a:rPr lang="it-IT" dirty="0" err="1"/>
+              <a:t>period</a:t>
+            </a:r>
+            <a:r>
+              <a:rPr lang="it-IT" dirty="0"/>
+              <a:t> and </a:t>
+            </a:r>
+            <a:r>
+              <a:rPr lang="it-IT" dirty="0" err="1"/>
+              <a:t>number</a:t>
+            </a:r>
+            <a:r>
+              <a:rPr lang="it-IT" dirty="0"/>
+              <a:t> of </a:t>
+            </a:r>
+            <a:r>
+              <a:rPr lang="it-IT" dirty="0" err="1"/>
+              <a:t>guests</a:t>
+            </a:r>
+            <a:r>
+              <a:rPr lang="it-IT" dirty="0"/>
+              <a:t>.</a:t>
+            </a:r>
+          </a:p>
+          <a:p>
+            <a:pPr marL="285750" indent="-285750">
+              <a:buFont typeface="Arial" panose="020B0604020202020204" pitchFamily="34" charset="0"/>
+              <a:buChar char="•"/>
+            </a:pPr>
+            <a:r>
+              <a:rPr lang="it-IT" dirty="0"/>
+              <a:t>Show </a:t>
+            </a:r>
+            <a:r>
+              <a:rPr lang="it-IT" dirty="0" err="1"/>
+              <a:t>advertisement</a:t>
+            </a:r>
+            <a:r>
+              <a:rPr lang="it-IT" dirty="0"/>
+              <a:t> with </a:t>
+            </a:r>
+            <a:r>
+              <a:rPr lang="it-IT" dirty="0" err="1"/>
+              <a:t>highest</a:t>
+            </a:r>
+            <a:r>
+              <a:rPr lang="it-IT" dirty="0"/>
+              <a:t> </a:t>
+            </a:r>
+            <a:r>
+              <a:rPr lang="it-IT" dirty="0" err="1"/>
+              <a:t>average</a:t>
+            </a:r>
+            <a:r>
+              <a:rPr lang="it-IT" dirty="0"/>
+              <a:t> rating.</a:t>
+            </a:r>
+          </a:p>
+          <a:p>
+            <a:pPr marL="285750" indent="-285750">
+              <a:buFont typeface="Arial" panose="020B0604020202020204" pitchFamily="34" charset="0"/>
+              <a:buChar char="•"/>
+            </a:pPr>
+            <a:r>
+              <a:rPr lang="it-IT" dirty="0"/>
+              <a:t>Show </a:t>
+            </a:r>
+            <a:r>
+              <a:rPr lang="it-IT" dirty="0" err="1"/>
+              <a:t>number</a:t>
+            </a:r>
+            <a:r>
+              <a:rPr lang="it-IT" dirty="0"/>
+              <a:t> of </a:t>
+            </a:r>
+            <a:r>
+              <a:rPr lang="it-IT" dirty="0" err="1"/>
+              <a:t>registered</a:t>
+            </a:r>
+            <a:r>
+              <a:rPr lang="it-IT" dirty="0"/>
+              <a:t> </a:t>
+            </a:r>
+            <a:r>
+              <a:rPr lang="it-IT" dirty="0" err="1"/>
+              <a:t>users</a:t>
+            </a:r>
+            <a:r>
+              <a:rPr lang="it-IT" dirty="0"/>
+              <a:t>.</a:t>
+            </a:r>
+          </a:p>
+          <a:p>
+            <a:pPr marL="285750" indent="-285750">
+              <a:buFont typeface="Arial" panose="020B0604020202020204" pitchFamily="34" charset="0"/>
+              <a:buChar char="•"/>
+            </a:pPr>
+            <a:r>
+              <a:rPr lang="it-IT" dirty="0"/>
+              <a:t>Show </a:t>
+            </a:r>
+            <a:r>
+              <a:rPr lang="it-IT" dirty="0" err="1"/>
+              <a:t>advertisement</a:t>
+            </a:r>
+            <a:r>
+              <a:rPr lang="it-IT" dirty="0"/>
+              <a:t> to be </a:t>
+            </a:r>
+            <a:r>
+              <a:rPr lang="it-IT" dirty="0" err="1"/>
+              <a:t>approved</a:t>
+            </a:r>
+            <a:r>
+              <a:rPr lang="it-IT" dirty="0"/>
+              <a:t>.</a:t>
+            </a:r>
+          </a:p>
+          <a:p>
+            <a:pPr marL="285750" indent="-285750">
+              <a:buFont typeface="Arial" panose="020B0604020202020204" pitchFamily="34" charset="0"/>
+              <a:buChar char="•"/>
+            </a:pPr>
+            <a:r>
+              <a:rPr lang="it-IT" dirty="0"/>
+              <a:t>Show </a:t>
+            </a:r>
+            <a:r>
+              <a:rPr lang="it-IT" dirty="0" err="1"/>
+              <a:t>reviews</a:t>
+            </a:r>
+            <a:r>
+              <a:rPr lang="it-IT" dirty="0"/>
+              <a:t> for </a:t>
+            </a:r>
+            <a:r>
+              <a:rPr lang="it-IT" dirty="0" err="1"/>
+              <a:t>specific</a:t>
+            </a:r>
+            <a:r>
+              <a:rPr lang="it-IT" dirty="0"/>
+              <a:t> </a:t>
+            </a:r>
+            <a:r>
+              <a:rPr lang="it-IT" dirty="0" err="1"/>
+              <a:t>advertisement</a:t>
+            </a:r>
+            <a:r>
+              <a:rPr lang="it-IT" dirty="0"/>
+              <a:t>.</a:t>
+            </a:r>
+          </a:p>
+          <a:p>
+            <a:pPr marL="285750" indent="-285750">
+              <a:buFont typeface="Arial" panose="020B0604020202020204" pitchFamily="34" charset="0"/>
+              <a:buChar char="•"/>
+            </a:pPr>
+            <a:r>
+              <a:rPr lang="it-IT" dirty="0"/>
+              <a:t>Show </a:t>
+            </a:r>
+            <a:r>
+              <a:rPr lang="it-IT" dirty="0" err="1"/>
+              <a:t>own</a:t>
+            </a:r>
+            <a:r>
+              <a:rPr lang="it-IT" dirty="0"/>
+              <a:t> </a:t>
+            </a:r>
+            <a:r>
+              <a:rPr lang="it-IT" dirty="0" err="1"/>
+              <a:t>advertisement</a:t>
+            </a:r>
+            <a:r>
+              <a:rPr lang="it-IT" dirty="0"/>
+              <a:t> with </a:t>
+            </a:r>
+            <a:r>
+              <a:rPr lang="it-IT" dirty="0" err="1"/>
+              <a:t>higher</a:t>
+            </a:r>
+            <a:r>
+              <a:rPr lang="it-IT" dirty="0"/>
+              <a:t> </a:t>
+            </a:r>
+            <a:r>
+              <a:rPr lang="it-IT" dirty="0" err="1"/>
+              <a:t>number</a:t>
+            </a:r>
+            <a:r>
+              <a:rPr lang="it-IT" dirty="0"/>
+              <a:t> of </a:t>
+            </a:r>
+            <a:r>
+              <a:rPr lang="it-IT" dirty="0" err="1"/>
+              <a:t>prenotations</a:t>
+            </a:r>
+            <a:r>
+              <a:rPr lang="it-IT" dirty="0"/>
+              <a:t>.</a:t>
+            </a:r>
+          </a:p>
+          <a:p>
+            <a:pPr marL="285750" indent="-285750">
+              <a:buFont typeface="Arial" panose="020B0604020202020204" pitchFamily="34" charset="0"/>
+              <a:buChar char="•"/>
+            </a:pPr>
+            <a:r>
+              <a:rPr lang="it-IT" dirty="0"/>
+              <a:t>Show </a:t>
+            </a:r>
+            <a:r>
+              <a:rPr lang="it-IT"/>
+              <a:t>users </a:t>
+            </a:r>
+            <a:r>
+              <a:rPr lang="it-IT" dirty="0" err="1"/>
+              <a:t>filtered</a:t>
+            </a:r>
+            <a:r>
+              <a:rPr lang="it-IT" dirty="0"/>
+              <a:t> by username.</a:t>
+            </a:r>
+          </a:p>
+        </p:txBody>
+      </p:sp>
+      <p:sp>
+        <p:nvSpPr>
+          <p:cNvPr id="6" name="CasellaDiTesto 5">
+            <a:extLst>
+              <a:ext uri="{FF2B5EF4-FFF2-40B4-BE49-F238E27FC236}">
+                <a16:creationId xmlns:a16="http://schemas.microsoft.com/office/drawing/2014/main" id="{681E88AA-3981-6940-8529-1CD2AE18A946}"/>
+              </a:ext>
+            </a:extLst>
+          </p:cNvPr>
+          <p:cNvSpPr txBox="1"/>
+          <p:nvPr/>
+        </p:nvSpPr>
+        <p:spPr>
+          <a:xfrm>
+            <a:off x="888023" y="4070838"/>
+            <a:ext cx="184731" cy="646331"/>
+          </a:xfrm>
+          <a:prstGeom prst="rect">
+            <a:avLst/>
+          </a:prstGeom>
+          <a:noFill/>
+        </p:spPr>
+        <p:txBody>
+          <a:bodyPr wrap="none" rtlCol="0">
+            <a:spAutoFit/>
+          </a:bodyPr>
+          <a:lstStyle/>
+          <a:p>
+            <a:endParaRPr lang="it-IT" dirty="0"/>
+          </a:p>
+          <a:p>
+            <a:endParaRPr lang="it-IT" dirty="0"/>
           </a:p>
         </p:txBody>
       </p:sp>

--- a/Project Design Presentation My Vacation.pptx
+++ b/Project Design Presentation My Vacation.pptx
@@ -4924,8 +4924,12 @@
               <a:t>Show </a:t>
             </a:r>
             <a:r>
-              <a:rPr lang="it-IT"/>
-              <a:t>users </a:t>
+              <a:rPr lang="it-IT" dirty="0" err="1"/>
+              <a:t>users</a:t>
+            </a:r>
+            <a:r>
+              <a:rPr lang="it-IT" dirty="0"/>
+              <a:t> </a:t>
             </a:r>
             <a:r>
               <a:rPr lang="it-IT" dirty="0" err="1"/>
@@ -5104,6 +5108,388 @@
               <a:rPr lang="en-US" dirty="0"/>
               <a:t>handled by Graph DB</a:t>
             </a:r>
+          </a:p>
+        </p:txBody>
+      </p:sp>
+      <p:sp>
+        <p:nvSpPr>
+          <p:cNvPr id="3" name="CasellaDiTesto 2">
+            <a:extLst>
+              <a:ext uri="{FF2B5EF4-FFF2-40B4-BE49-F238E27FC236}">
+                <a16:creationId xmlns:a16="http://schemas.microsoft.com/office/drawing/2014/main" id="{9748119C-266E-3845-B5F3-A3BCB1BAC5A8}"/>
+              </a:ext>
+            </a:extLst>
+          </p:cNvPr>
+          <p:cNvSpPr txBox="1"/>
+          <p:nvPr/>
+        </p:nvSpPr>
+        <p:spPr>
+          <a:xfrm>
+            <a:off x="1072662" y="1652954"/>
+            <a:ext cx="7825989" cy="3970318"/>
+          </a:xfrm>
+          <a:prstGeom prst="rect">
+            <a:avLst/>
+          </a:prstGeom>
+          <a:noFill/>
+        </p:spPr>
+        <p:txBody>
+          <a:bodyPr wrap="none" rtlCol="0">
+            <a:spAutoFit/>
+          </a:bodyPr>
+          <a:lstStyle/>
+          <a:p>
+            <a:r>
+              <a:rPr lang="it-IT" b="1" dirty="0" err="1"/>
+              <a:t>Entities</a:t>
+            </a:r>
+            <a:r>
+              <a:rPr lang="it-IT" b="1" dirty="0"/>
+              <a:t>:</a:t>
+            </a:r>
+            <a:endParaRPr lang="it-IT" dirty="0"/>
+          </a:p>
+          <a:p>
+            <a:pPr marL="285750" indent="-285750">
+              <a:buFont typeface="Arial" panose="020B0604020202020204" pitchFamily="34" charset="0"/>
+              <a:buChar char="•"/>
+            </a:pPr>
+            <a:r>
+              <a:rPr lang="it-IT" dirty="0"/>
+              <a:t>User</a:t>
+            </a:r>
+          </a:p>
+          <a:p>
+            <a:pPr marL="285750" indent="-285750">
+              <a:buFont typeface="Arial" panose="020B0604020202020204" pitchFamily="34" charset="0"/>
+              <a:buChar char="•"/>
+            </a:pPr>
+            <a:r>
+              <a:rPr lang="it-IT" dirty="0"/>
+              <a:t>Host</a:t>
+            </a:r>
+          </a:p>
+          <a:p>
+            <a:pPr marL="285750" indent="-285750">
+              <a:buFont typeface="Arial" panose="020B0604020202020204" pitchFamily="34" charset="0"/>
+              <a:buChar char="•"/>
+            </a:pPr>
+            <a:r>
+              <a:rPr lang="it-IT" dirty="0" err="1"/>
+              <a:t>Accomodation</a:t>
+            </a:r>
+            <a:endParaRPr lang="it-IT" dirty="0"/>
+          </a:p>
+          <a:p>
+            <a:pPr marL="285750" indent="-285750">
+              <a:buFont typeface="Arial" panose="020B0604020202020204" pitchFamily="34" charset="0"/>
+              <a:buChar char="•"/>
+            </a:pPr>
+            <a:r>
+              <a:rPr lang="it-IT" dirty="0"/>
+              <a:t>Activity</a:t>
+            </a:r>
+          </a:p>
+          <a:p>
+            <a:pPr marL="285750" indent="-285750">
+              <a:buFont typeface="Arial" panose="020B0604020202020204" pitchFamily="34" charset="0"/>
+              <a:buChar char="•"/>
+            </a:pPr>
+            <a:endParaRPr lang="it-IT" dirty="0"/>
+          </a:p>
+          <a:p>
+            <a:r>
+              <a:rPr lang="it-IT" b="1" dirty="0" err="1"/>
+              <a:t>Queries</a:t>
+            </a:r>
+            <a:r>
+              <a:rPr lang="it-IT" b="1" dirty="0"/>
+              <a:t>:</a:t>
+            </a:r>
+            <a:endParaRPr lang="it-IT" dirty="0"/>
+          </a:p>
+          <a:p>
+            <a:pPr marL="285750" indent="-285750">
+              <a:buFont typeface="Arial" panose="020B0604020202020204" pitchFamily="34" charset="0"/>
+              <a:buChar char="•"/>
+            </a:pPr>
+            <a:r>
+              <a:rPr lang="it-IT" dirty="0"/>
+              <a:t>Show </a:t>
+            </a:r>
+            <a:r>
+              <a:rPr lang="it-IT" dirty="0" err="1"/>
+              <a:t>suggested</a:t>
+            </a:r>
+            <a:r>
+              <a:rPr lang="it-IT" dirty="0"/>
+              <a:t> </a:t>
+            </a:r>
+            <a:r>
+              <a:rPr lang="it-IT" dirty="0" err="1"/>
+              <a:t>accomodation</a:t>
+            </a:r>
+            <a:r>
+              <a:rPr lang="it-IT" dirty="0"/>
+              <a:t>/</a:t>
+            </a:r>
+            <a:r>
+              <a:rPr lang="it-IT" dirty="0" err="1"/>
+              <a:t>activity</a:t>
+            </a:r>
+            <a:r>
+              <a:rPr lang="it-IT" dirty="0"/>
+              <a:t> </a:t>
+            </a:r>
+            <a:r>
+              <a:rPr lang="it-IT" dirty="0" err="1"/>
+              <a:t>based</a:t>
+            </a:r>
+            <a:r>
+              <a:rPr lang="it-IT" dirty="0"/>
+              <a:t> on city.</a:t>
+            </a:r>
+          </a:p>
+          <a:p>
+            <a:pPr marL="285750" indent="-285750">
+              <a:buFont typeface="Arial" panose="020B0604020202020204" pitchFamily="34" charset="0"/>
+              <a:buChar char="•"/>
+            </a:pPr>
+            <a:r>
+              <a:rPr lang="it-IT" dirty="0"/>
+              <a:t>Show </a:t>
+            </a:r>
+            <a:r>
+              <a:rPr lang="it-IT" dirty="0" err="1"/>
+              <a:t>suggested</a:t>
+            </a:r>
+            <a:r>
+              <a:rPr lang="it-IT" dirty="0"/>
+              <a:t> </a:t>
+            </a:r>
+            <a:r>
+              <a:rPr lang="it-IT" dirty="0" err="1"/>
+              <a:t>accomodation</a:t>
+            </a:r>
+            <a:r>
+              <a:rPr lang="it-IT" dirty="0"/>
+              <a:t>/</a:t>
+            </a:r>
+            <a:r>
+              <a:rPr lang="it-IT" dirty="0" err="1"/>
+              <a:t>activity</a:t>
+            </a:r>
+            <a:r>
+              <a:rPr lang="it-IT" dirty="0"/>
+              <a:t> </a:t>
+            </a:r>
+            <a:r>
+              <a:rPr lang="it-IT" dirty="0" err="1"/>
+              <a:t>based</a:t>
+            </a:r>
+            <a:r>
+              <a:rPr lang="it-IT" dirty="0"/>
+              <a:t> on </a:t>
+            </a:r>
+            <a:r>
+              <a:rPr lang="it-IT" dirty="0" err="1"/>
+              <a:t>saved</a:t>
+            </a:r>
+            <a:r>
+              <a:rPr lang="it-IT" dirty="0"/>
+              <a:t> </a:t>
+            </a:r>
+            <a:r>
+              <a:rPr lang="it-IT" dirty="0" err="1"/>
+              <a:t>accomodation</a:t>
+            </a:r>
+            <a:r>
+              <a:rPr lang="it-IT" dirty="0"/>
+              <a:t>/</a:t>
+            </a:r>
+            <a:r>
+              <a:rPr lang="it-IT" dirty="0" err="1"/>
+              <a:t>activity</a:t>
+            </a:r>
+            <a:r>
+              <a:rPr lang="it-IT" dirty="0"/>
+              <a:t>.</a:t>
+            </a:r>
+          </a:p>
+          <a:p>
+            <a:pPr marL="285750" indent="-285750">
+              <a:buFont typeface="Arial" panose="020B0604020202020204" pitchFamily="34" charset="0"/>
+              <a:buChar char="•"/>
+            </a:pPr>
+            <a:r>
+              <a:rPr lang="it-IT" dirty="0"/>
+              <a:t>Show </a:t>
+            </a:r>
+            <a:r>
+              <a:rPr lang="it-IT" dirty="0" err="1"/>
+              <a:t>itinerary</a:t>
+            </a:r>
+            <a:r>
+              <a:rPr lang="it-IT" dirty="0"/>
+              <a:t> with </a:t>
+            </a:r>
+            <a:r>
+              <a:rPr lang="it-IT" dirty="0" err="1"/>
+              <a:t>visited</a:t>
+            </a:r>
+            <a:r>
+              <a:rPr lang="it-IT" dirty="0"/>
+              <a:t> </a:t>
+            </a:r>
+            <a:r>
+              <a:rPr lang="it-IT" dirty="0" err="1"/>
+              <a:t>accomodations</a:t>
+            </a:r>
+            <a:r>
+              <a:rPr lang="it-IT" dirty="0"/>
+              <a:t>/</a:t>
+            </a:r>
+            <a:r>
+              <a:rPr lang="it-IT" dirty="0" err="1"/>
+              <a:t>activities</a:t>
+            </a:r>
+            <a:r>
+              <a:rPr lang="it-IT" dirty="0"/>
+              <a:t> made by </a:t>
+            </a:r>
+            <a:r>
+              <a:rPr lang="it-IT" dirty="0" err="1"/>
+              <a:t>user</a:t>
+            </a:r>
+            <a:r>
+              <a:rPr lang="it-IT" dirty="0"/>
+              <a:t>.</a:t>
+            </a:r>
+          </a:p>
+          <a:p>
+            <a:pPr marL="285750" indent="-285750">
+              <a:buFont typeface="Arial" panose="020B0604020202020204" pitchFamily="34" charset="0"/>
+              <a:buChar char="•"/>
+            </a:pPr>
+            <a:r>
+              <a:rPr lang="it-IT" dirty="0"/>
+              <a:t>Show </a:t>
+            </a:r>
+            <a:r>
+              <a:rPr lang="it-IT" dirty="0" err="1"/>
+              <a:t>most</a:t>
+            </a:r>
+            <a:r>
+              <a:rPr lang="it-IT" dirty="0"/>
+              <a:t> </a:t>
+            </a:r>
+            <a:r>
+              <a:rPr lang="it-IT" dirty="0" err="1"/>
+              <a:t>selected</a:t>
+            </a:r>
+            <a:r>
+              <a:rPr lang="it-IT" dirty="0"/>
+              <a:t> </a:t>
+            </a:r>
+            <a:r>
+              <a:rPr lang="it-IT" dirty="0" err="1"/>
+              <a:t>acitivities</a:t>
+            </a:r>
+            <a:r>
+              <a:rPr lang="it-IT" dirty="0"/>
+              <a:t> for </a:t>
+            </a:r>
+            <a:r>
+              <a:rPr lang="it-IT" dirty="0" err="1"/>
+              <a:t>each</a:t>
+            </a:r>
+            <a:r>
+              <a:rPr lang="it-IT" dirty="0"/>
+              <a:t> city.</a:t>
+            </a:r>
+          </a:p>
+          <a:p>
+            <a:pPr marL="285750" indent="-285750">
+              <a:buFont typeface="Arial" panose="020B0604020202020204" pitchFamily="34" charset="0"/>
+              <a:buChar char="•"/>
+            </a:pPr>
+            <a:r>
+              <a:rPr lang="it-IT" dirty="0"/>
+              <a:t>Show </a:t>
+            </a:r>
+            <a:r>
+              <a:rPr lang="it-IT" dirty="0" err="1"/>
+              <a:t>most</a:t>
+            </a:r>
+            <a:r>
+              <a:rPr lang="it-IT" dirty="0"/>
+              <a:t> </a:t>
+            </a:r>
+            <a:r>
+              <a:rPr lang="it-IT" dirty="0" err="1"/>
+              <a:t>saved</a:t>
+            </a:r>
+            <a:r>
+              <a:rPr lang="it-IT" dirty="0"/>
+              <a:t> </a:t>
+            </a:r>
+            <a:r>
+              <a:rPr lang="it-IT" dirty="0" err="1"/>
+              <a:t>accomodation</a:t>
+            </a:r>
+            <a:r>
+              <a:rPr lang="it-IT" dirty="0"/>
+              <a:t>/</a:t>
+            </a:r>
+            <a:r>
+              <a:rPr lang="it-IT" dirty="0" err="1"/>
+              <a:t>activity</a:t>
+            </a:r>
+            <a:r>
+              <a:rPr lang="it-IT" dirty="0"/>
+              <a:t>.</a:t>
+            </a:r>
+          </a:p>
+          <a:p>
+            <a:pPr marL="285750" indent="-285750">
+              <a:buFont typeface="Arial" panose="020B0604020202020204" pitchFamily="34" charset="0"/>
+              <a:buChar char="•"/>
+            </a:pPr>
+            <a:r>
+              <a:rPr lang="it-IT" dirty="0"/>
+              <a:t>Show </a:t>
+            </a:r>
+            <a:r>
+              <a:rPr lang="it-IT" dirty="0" err="1"/>
+              <a:t>most</a:t>
+            </a:r>
+            <a:r>
+              <a:rPr lang="it-IT" dirty="0"/>
+              <a:t> </a:t>
+            </a:r>
+            <a:r>
+              <a:rPr lang="it-IT" dirty="0" err="1"/>
+              <a:t>visited</a:t>
+            </a:r>
+            <a:r>
+              <a:rPr lang="it-IT" dirty="0"/>
+              <a:t> </a:t>
+            </a:r>
+            <a:r>
+              <a:rPr lang="it-IT" dirty="0" err="1"/>
+              <a:t>cities</a:t>
+            </a:r>
+            <a:r>
+              <a:rPr lang="it-IT" dirty="0"/>
+              <a:t>.</a:t>
+            </a:r>
+          </a:p>
+          <a:p>
+            <a:pPr marL="285750" indent="-285750">
+              <a:buFont typeface="Arial" panose="020B0604020202020204" pitchFamily="34" charset="0"/>
+              <a:buChar char="•"/>
+            </a:pPr>
+            <a:endParaRPr lang="it-IT" dirty="0"/>
           </a:p>
         </p:txBody>
       </p:sp>

--- a/Project Design Presentation My Vacation.pptx
+++ b/Project Design Presentation My Vacation.pptx
@@ -268,7 +268,7 @@
           <a:p>
             <a:fld id="{0EF95162-6873-F647-B392-BF6A1F606277}" type="datetimeFigureOut">
               <a:rPr lang="it-IT" smtClean="0"/>
-              <a:t>03/12/22</a:t>
+              <a:t>04/12/2022</a:t>
             </a:fld>
             <a:endParaRPr lang="it-IT"/>
           </a:p>
@@ -722,7 +722,7 @@
           <a:p>
             <a:fld id="{2FDCBEE4-315A-8E42-835E-29A1DAE07625}" type="datetimeFigureOut">
               <a:rPr lang="it-IT" smtClean="0"/>
-              <a:t>03/12/22</a:t>
+              <a:t>04/12/2022</a:t>
             </a:fld>
             <a:endParaRPr lang="it-IT"/>
           </a:p>
@@ -914,7 +914,7 @@
           <a:p>
             <a:fld id="{2FDCBEE4-315A-8E42-835E-29A1DAE07625}" type="datetimeFigureOut">
               <a:rPr lang="it-IT" smtClean="0"/>
-              <a:t>03/12/22</a:t>
+              <a:t>04/12/2022</a:t>
             </a:fld>
             <a:endParaRPr lang="it-IT"/>
           </a:p>
@@ -1116,7 +1116,7 @@
           <a:p>
             <a:fld id="{2FDCBEE4-315A-8E42-835E-29A1DAE07625}" type="datetimeFigureOut">
               <a:rPr lang="it-IT" smtClean="0"/>
-              <a:t>03/12/22</a:t>
+              <a:t>04/12/2022</a:t>
             </a:fld>
             <a:endParaRPr lang="it-IT"/>
           </a:p>
@@ -1308,7 +1308,7 @@
           <a:p>
             <a:fld id="{2FDCBEE4-315A-8E42-835E-29A1DAE07625}" type="datetimeFigureOut">
               <a:rPr lang="it-IT" smtClean="0"/>
-              <a:t>03/12/22</a:t>
+              <a:t>04/12/2022</a:t>
             </a:fld>
             <a:endParaRPr lang="it-IT"/>
           </a:p>
@@ -1577,7 +1577,7 @@
           <a:p>
             <a:fld id="{2FDCBEE4-315A-8E42-835E-29A1DAE07625}" type="datetimeFigureOut">
               <a:rPr lang="it-IT" smtClean="0"/>
-              <a:t>03/12/22</a:t>
+              <a:t>04/12/2022</a:t>
             </a:fld>
             <a:endParaRPr lang="it-IT"/>
           </a:p>
@@ -1886,7 +1886,7 @@
           <a:p>
             <a:fld id="{2FDCBEE4-315A-8E42-835E-29A1DAE07625}" type="datetimeFigureOut">
               <a:rPr lang="it-IT" smtClean="0"/>
-              <a:t>03/12/22</a:t>
+              <a:t>04/12/2022</a:t>
             </a:fld>
             <a:endParaRPr lang="it-IT"/>
           </a:p>
@@ -2329,7 +2329,7 @@
           <a:p>
             <a:fld id="{2FDCBEE4-315A-8E42-835E-29A1DAE07625}" type="datetimeFigureOut">
               <a:rPr lang="it-IT" smtClean="0"/>
-              <a:t>03/12/22</a:t>
+              <a:t>04/12/2022</a:t>
             </a:fld>
             <a:endParaRPr lang="it-IT"/>
           </a:p>
@@ -2470,7 +2470,7 @@
           <a:p>
             <a:fld id="{2FDCBEE4-315A-8E42-835E-29A1DAE07625}" type="datetimeFigureOut">
               <a:rPr lang="it-IT" smtClean="0"/>
-              <a:t>03/12/22</a:t>
+              <a:t>04/12/2022</a:t>
             </a:fld>
             <a:endParaRPr lang="it-IT"/>
           </a:p>
@@ -2589,7 +2589,7 @@
           <a:p>
             <a:fld id="{2FDCBEE4-315A-8E42-835E-29A1DAE07625}" type="datetimeFigureOut">
               <a:rPr lang="it-IT" smtClean="0"/>
-              <a:t>03/12/22</a:t>
+              <a:t>04/12/2022</a:t>
             </a:fld>
             <a:endParaRPr lang="it-IT"/>
           </a:p>
@@ -2888,7 +2888,7 @@
           <a:p>
             <a:fld id="{2FDCBEE4-315A-8E42-835E-29A1DAE07625}" type="datetimeFigureOut">
               <a:rPr lang="it-IT" smtClean="0"/>
-              <a:t>03/12/22</a:t>
+              <a:t>04/12/2022</a:t>
             </a:fld>
             <a:endParaRPr lang="it-IT"/>
           </a:p>
@@ -3164,7 +3164,7 @@
           <a:p>
             <a:fld id="{2FDCBEE4-315A-8E42-835E-29A1DAE07625}" type="datetimeFigureOut">
               <a:rPr lang="it-IT" smtClean="0"/>
-              <a:t>03/12/22</a:t>
+              <a:t>04/12/2022</a:t>
             </a:fld>
             <a:endParaRPr lang="it-IT"/>
           </a:p>
@@ -3995,7 +3995,7 @@
         <p:spPr>
           <a:xfrm>
             <a:off x="424543" y="1404256"/>
-            <a:ext cx="8343900" cy="2862322"/>
+            <a:ext cx="8343900" cy="3139321"/>
           </a:xfrm>
           <a:prstGeom prst="rect">
             <a:avLst/>
@@ -4103,30 +4103,13 @@
               <a:buChar char="•"/>
             </a:pPr>
             <a:r>
+              <a:rPr lang="en-US" b="1" dirty="0"/>
+              <a:t>Users</a:t>
+            </a:r>
+            <a:r>
               <a:rPr lang="en-US" dirty="0"/>
-              <a:t>Each </a:t>
-            </a:r>
-            <a:r>
-              <a:rPr lang="en-US" b="1" dirty="0"/>
-              <a:t>user </a:t>
-            </a:r>
-            <a:r>
-              <a:rPr lang="en-US" dirty="0"/>
-              <a:t>can add </a:t>
-            </a:r>
-            <a:r>
-              <a:rPr lang="en-US" dirty="0" err="1"/>
-              <a:t>accomodation</a:t>
-            </a:r>
-            <a:r>
-              <a:rPr lang="en-US" dirty="0"/>
-              <a:t> or activity in his personal </a:t>
-            </a:r>
-            <a:r>
-              <a:rPr lang="en-US" dirty="0" err="1"/>
-              <a:t>wishlist</a:t>
-            </a:r>
-            <a:endParaRPr lang="en-US" dirty="0"/>
+              <a:t> can report an accommodation or an activity</a:t>
+            </a:r>
           </a:p>
           <a:p>
             <a:pPr marL="285750" indent="-285750">
@@ -4134,13 +4117,30 @@
               <a:buChar char="•"/>
             </a:pPr>
             <a:r>
+              <a:rPr lang="en-US" dirty="0"/>
+              <a:t>Each </a:t>
+            </a:r>
+            <a:r>
               <a:rPr lang="en-US" b="1" dirty="0"/>
-              <a:t>Admin </a:t>
+              <a:t>user </a:t>
             </a:r>
             <a:r>
               <a:rPr lang="en-US" dirty="0"/>
-              <a:t>can manage users, host and reviews. </a:t>
-            </a:r>
+              <a:t>can add </a:t>
+            </a:r>
+            <a:r>
+              <a:rPr lang="en-US" dirty="0" err="1"/>
+              <a:t>accomodation</a:t>
+            </a:r>
+            <a:r>
+              <a:rPr lang="en-US" dirty="0"/>
+              <a:t> or activity in his personal </a:t>
+            </a:r>
+            <a:r>
+              <a:rPr lang="en-US" dirty="0" err="1"/>
+              <a:t>wishlist</a:t>
+            </a:r>
+            <a:endParaRPr lang="en-US" dirty="0"/>
           </a:p>
           <a:p>
             <a:pPr marL="285750" indent="-285750">
@@ -4153,7 +4153,7 @@
             </a:r>
             <a:r>
               <a:rPr lang="en-US" dirty="0"/>
-              <a:t>can approve or disapprove an advertisement.</a:t>
+              <a:t>can manage users, host and reviews. </a:t>
             </a:r>
           </a:p>
           <a:p>
@@ -4167,7 +4167,21 @@
             </a:r>
             <a:r>
               <a:rPr lang="en-US" dirty="0"/>
-              <a:t>have access to analytics about application and advertisement.</a:t>
+              <a:t>can approve or disapprove an advertisement.</a:t>
+            </a:r>
+          </a:p>
+          <a:p>
+            <a:pPr marL="285750" indent="-285750">
+              <a:buFont typeface="Arial" panose="020B0604020202020204" pitchFamily="34" charset="0"/>
+              <a:buChar char="•"/>
+            </a:pPr>
+            <a:r>
+              <a:rPr lang="en-US" b="1" dirty="0"/>
+              <a:t>Admin </a:t>
+            </a:r>
+            <a:r>
+              <a:rPr lang="en-US" dirty="0"/>
+              <a:t>can have access to analytics about application and advertisement.</a:t>
             </a:r>
             <a:endParaRPr lang="en-US" b="1" dirty="0"/>
           </a:p>
@@ -4235,10 +4249,10 @@
       </p:sp>
       <p:pic>
         <p:nvPicPr>
-          <p:cNvPr id="5" name="Immagine 4">
+          <p:cNvPr id="4" name="Immagine 3">
             <a:extLst>
               <a:ext uri="{FF2B5EF4-FFF2-40B4-BE49-F238E27FC236}">
-                <a16:creationId xmlns:a16="http://schemas.microsoft.com/office/drawing/2014/main" id="{3F9D1566-D49E-3886-0184-104B537A3969}"/>
+                <a16:creationId xmlns:a16="http://schemas.microsoft.com/office/drawing/2014/main" id="{3538D977-7DC8-0115-A681-2F2A66EF69D3}"/>
               </a:ext>
             </a:extLst>
           </p:cNvPr>
@@ -4255,8 +4269,8 @@
         </p:blipFill>
         <p:spPr>
           <a:xfrm>
-            <a:off x="1974969" y="1233093"/>
-            <a:ext cx="5194062" cy="4816178"/>
+            <a:off x="1661953" y="1233093"/>
+            <a:ext cx="5820093" cy="5400814"/>
           </a:xfrm>
           <a:prstGeom prst="rect">
             <a:avLst/>
@@ -5125,8 +5139,8 @@
         </p:nvSpPr>
         <p:spPr>
           <a:xfrm>
-            <a:off x="1072662" y="1652954"/>
-            <a:ext cx="7825989" cy="3970318"/>
+            <a:off x="950742" y="1652954"/>
+            <a:ext cx="8328498" cy="4247317"/>
           </a:xfrm>
           <a:prstGeom prst="rect">
             <a:avLst/>
@@ -5165,9 +5179,10 @@
               <a:buChar char="•"/>
             </a:pPr>
             <a:r>
-              <a:rPr lang="it-IT" dirty="0"/>
-              <a:t>Host</a:t>
-            </a:r>
+              <a:rPr lang="it-IT" dirty="0" err="1"/>
+              <a:t>Accomodation</a:t>
+            </a:r>
+            <a:endParaRPr lang="it-IT" dirty="0"/>
           </a:p>
           <a:p>
             <a:pPr marL="285750" indent="-285750">
@@ -5175,10 +5190,9 @@
               <a:buChar char="•"/>
             </a:pPr>
             <a:r>
-              <a:rPr lang="it-IT" dirty="0" err="1"/>
-              <a:t>Accomodation</a:t>
-            </a:r>
-            <a:endParaRPr lang="it-IT" dirty="0"/>
+              <a:rPr lang="it-IT" dirty="0"/>
+              <a:t>Activity</a:t>
+            </a:r>
           </a:p>
           <a:p>
             <a:pPr marL="285750" indent="-285750">
@@ -5187,7 +5201,7 @@
             </a:pPr>
             <a:r>
               <a:rPr lang="it-IT" dirty="0"/>
-              <a:t>Activity</a:t>
+              <a:t>City</a:t>
             </a:r>
           </a:p>
           <a:p>
@@ -5227,19 +5241,11 @@
             </a:r>
             <a:r>
               <a:rPr lang="it-IT" dirty="0" err="1"/>
-              <a:t>accomodation</a:t>
-            </a:r>
-            <a:r>
-              <a:rPr lang="it-IT" dirty="0"/>
-              <a:t>/</a:t>
-            </a:r>
-            <a:r>
-              <a:rPr lang="it-IT" dirty="0" err="1"/>
-              <a:t>activity</a:t>
-            </a:r>
-            <a:r>
-              <a:rPr lang="it-IT" dirty="0"/>
-              <a:t> </a:t>
+              <a:t>accomodations</a:t>
+            </a:r>
+            <a:r>
+              <a:rPr lang="it-IT" dirty="0"/>
+              <a:t>/activities </a:t>
             </a:r>
             <a:r>
               <a:rPr lang="it-IT" dirty="0" err="1"/>
@@ -5269,19 +5275,11 @@
             </a:r>
             <a:r>
               <a:rPr lang="it-IT" dirty="0" err="1"/>
-              <a:t>accomodation</a:t>
-            </a:r>
-            <a:r>
-              <a:rPr lang="it-IT" dirty="0"/>
-              <a:t>/</a:t>
-            </a:r>
-            <a:r>
-              <a:rPr lang="it-IT" dirty="0" err="1"/>
-              <a:t>activity</a:t>
-            </a:r>
-            <a:r>
-              <a:rPr lang="it-IT" dirty="0"/>
-              <a:t> </a:t>
+              <a:t>accomodations</a:t>
+            </a:r>
+            <a:r>
+              <a:rPr lang="it-IT" dirty="0"/>
+              <a:t>/activities </a:t>
             </a:r>
             <a:r>
               <a:rPr lang="it-IT" dirty="0" err="1"/>
@@ -5301,19 +5299,11 @@
             </a:r>
             <a:r>
               <a:rPr lang="it-IT" dirty="0" err="1"/>
-              <a:t>accomodation</a:t>
-            </a:r>
-            <a:r>
-              <a:rPr lang="it-IT" dirty="0"/>
-              <a:t>/</a:t>
-            </a:r>
-            <a:r>
-              <a:rPr lang="it-IT" dirty="0" err="1"/>
-              <a:t>activity</a:t>
-            </a:r>
-            <a:r>
-              <a:rPr lang="it-IT" dirty="0"/>
-              <a:t>.</a:t>
+              <a:t>accomodations</a:t>
+            </a:r>
+            <a:r>
+              <a:rPr lang="it-IT" dirty="0"/>
+              <a:t>/activities.</a:t>
             </a:r>
           </a:p>
           <a:p>
@@ -5373,7 +5363,7 @@
             </a:pPr>
             <a:r>
               <a:rPr lang="it-IT" dirty="0"/>
-              <a:t>Show </a:t>
+              <a:t>Show the </a:t>
             </a:r>
             <a:r>
               <a:rPr lang="it-IT" dirty="0" err="1"/>
@@ -5385,7 +5375,7 @@
             </a:r>
             <a:r>
               <a:rPr lang="it-IT" dirty="0" err="1"/>
-              <a:t>selected</a:t>
+              <a:t>prenoted</a:t>
             </a:r>
             <a:r>
               <a:rPr lang="it-IT" dirty="0"/>
@@ -5393,11 +5383,11 @@
             </a:r>
             <a:r>
               <a:rPr lang="it-IT" dirty="0" err="1"/>
-              <a:t>acitivities</a:t>
-            </a:r>
-            <a:r>
-              <a:rPr lang="it-IT" dirty="0"/>
-              <a:t> for </a:t>
+              <a:t>accomodations</a:t>
+            </a:r>
+            <a:r>
+              <a:rPr lang="it-IT" dirty="0"/>
+              <a:t>/activities for </a:t>
             </a:r>
             <a:r>
               <a:rPr lang="it-IT" dirty="0" err="1"/>
@@ -5415,7 +5405,7 @@
             </a:pPr>
             <a:r>
               <a:rPr lang="it-IT" dirty="0"/>
-              <a:t>Show </a:t>
+              <a:t>Show the </a:t>
             </a:r>
             <a:r>
               <a:rPr lang="it-IT" dirty="0" err="1"/>
@@ -5435,19 +5425,11 @@
             </a:r>
             <a:r>
               <a:rPr lang="it-IT" dirty="0" err="1"/>
-              <a:t>accomodation</a:t>
-            </a:r>
-            <a:r>
-              <a:rPr lang="it-IT" dirty="0"/>
-              <a:t>/</a:t>
-            </a:r>
-            <a:r>
-              <a:rPr lang="it-IT" dirty="0" err="1"/>
-              <a:t>activity</a:t>
-            </a:r>
-            <a:r>
-              <a:rPr lang="it-IT" dirty="0"/>
-              <a:t>.</a:t>
+              <a:t>accomodations</a:t>
+            </a:r>
+            <a:r>
+              <a:rPr lang="it-IT" dirty="0"/>
+              <a:t>/activities.</a:t>
             </a:r>
           </a:p>
           <a:p>
@@ -5457,7 +5439,7 @@
             </a:pPr>
             <a:r>
               <a:rPr lang="it-IT" dirty="0"/>
-              <a:t>Show </a:t>
+              <a:t>Show the </a:t>
             </a:r>
             <a:r>
               <a:rPr lang="it-IT" dirty="0" err="1"/>
@@ -5473,15 +5455,41 @@
             </a:r>
             <a:r>
               <a:rPr lang="it-IT" dirty="0"/>
+              <a:t> cities.</a:t>
+            </a:r>
+          </a:p>
+          <a:p>
+            <a:pPr marL="285750" indent="-285750">
+              <a:buFont typeface="Arial" panose="020B0604020202020204" pitchFamily="34" charset="0"/>
+              <a:buChar char="•"/>
+            </a:pPr>
+            <a:r>
+              <a:rPr lang="it-IT" dirty="0"/>
+              <a:t>Show the </a:t>
+            </a:r>
+            <a:r>
+              <a:rPr lang="it-IT" dirty="0" err="1"/>
+              <a:t>most</a:t>
+            </a:r>
+            <a:r>
+              <a:rPr lang="it-IT" dirty="0"/>
               <a:t> </a:t>
             </a:r>
             <a:r>
               <a:rPr lang="it-IT" dirty="0" err="1"/>
-              <a:t>cities</a:t>
-            </a:r>
-            <a:r>
-              <a:rPr lang="it-IT" dirty="0"/>
-              <a:t>.</a:t>
+              <a:t>reported</a:t>
+            </a:r>
+            <a:r>
+              <a:rPr lang="it-IT" dirty="0"/>
+              <a:t> </a:t>
+            </a:r>
+            <a:r>
+              <a:rPr lang="it-IT" dirty="0" err="1"/>
+              <a:t>accomodations</a:t>
+            </a:r>
+            <a:r>
+              <a:rPr lang="it-IT" dirty="0"/>
+              <a:t>/activities.</a:t>
             </a:r>
           </a:p>
           <a:p>
@@ -5568,7 +5576,7 @@
         <p:spPr>
           <a:xfrm>
             <a:off x="620486" y="1926770"/>
-            <a:ext cx="3951514" cy="3416320"/>
+            <a:ext cx="3951514" cy="3693319"/>
           </a:xfrm>
           <a:prstGeom prst="rect">
             <a:avLst/>
@@ -5662,6 +5670,16 @@
             <a:r>
               <a:rPr lang="en-US" dirty="0"/>
               <a:t>MongoDB</a:t>
+            </a:r>
+          </a:p>
+          <a:p>
+            <a:pPr marL="285750" indent="-285750">
+              <a:buFont typeface="Arial" panose="020B0604020202020204" pitchFamily="34" charset="0"/>
+              <a:buChar char="•"/>
+            </a:pPr>
+            <a:r>
+              <a:rPr lang="en-US" dirty="0"/>
+              <a:t>Neo4J</a:t>
             </a:r>
           </a:p>
           <a:p>

--- a/Project Design Presentation My Vacation.pptx
+++ b/Project Design Presentation My Vacation.pptx
@@ -5,7 +5,7 @@
     <p:sldMasterId id="2147483648" r:id="rId1"/>
   </p:sldMasterIdLst>
   <p:notesMasterIdLst>
-    <p:notesMasterId r:id="rId11"/>
+    <p:notesMasterId r:id="rId10"/>
   </p:notesMasterIdLst>
   <p:sldIdLst>
     <p:sldId id="256" r:id="rId2"/>
@@ -14,9 +14,8 @@
     <p:sldId id="258" r:id="rId5"/>
     <p:sldId id="259" r:id="rId6"/>
     <p:sldId id="260" r:id="rId7"/>
-    <p:sldId id="261" r:id="rId8"/>
-    <p:sldId id="262" r:id="rId9"/>
-    <p:sldId id="264" r:id="rId10"/>
+    <p:sldId id="262" r:id="rId8"/>
+    <p:sldId id="264" r:id="rId9"/>
   </p:sldIdLst>
   <p:sldSz cx="9144000" cy="6858000" type="screen4x3"/>
   <p:notesSz cx="6858000" cy="9144000"/>
@@ -268,7 +267,7 @@
           <a:p>
             <a:fld id="{0EF95162-6873-F647-B392-BF6A1F606277}" type="datetimeFigureOut">
               <a:rPr lang="it-IT" smtClean="0"/>
-              <a:t>04/12/2022</a:t>
+              <a:t>07/12/22</a:t>
             </a:fld>
             <a:endParaRPr lang="it-IT"/>
           </a:p>
@@ -722,7 +721,7 @@
           <a:p>
             <a:fld id="{2FDCBEE4-315A-8E42-835E-29A1DAE07625}" type="datetimeFigureOut">
               <a:rPr lang="it-IT" smtClean="0"/>
-              <a:t>04/12/2022</a:t>
+              <a:t>07/12/22</a:t>
             </a:fld>
             <a:endParaRPr lang="it-IT"/>
           </a:p>
@@ -914,7 +913,7 @@
           <a:p>
             <a:fld id="{2FDCBEE4-315A-8E42-835E-29A1DAE07625}" type="datetimeFigureOut">
               <a:rPr lang="it-IT" smtClean="0"/>
-              <a:t>04/12/2022</a:t>
+              <a:t>07/12/22</a:t>
             </a:fld>
             <a:endParaRPr lang="it-IT"/>
           </a:p>
@@ -1116,7 +1115,7 @@
           <a:p>
             <a:fld id="{2FDCBEE4-315A-8E42-835E-29A1DAE07625}" type="datetimeFigureOut">
               <a:rPr lang="it-IT" smtClean="0"/>
-              <a:t>04/12/2022</a:t>
+              <a:t>07/12/22</a:t>
             </a:fld>
             <a:endParaRPr lang="it-IT"/>
           </a:p>
@@ -1308,7 +1307,7 @@
           <a:p>
             <a:fld id="{2FDCBEE4-315A-8E42-835E-29A1DAE07625}" type="datetimeFigureOut">
               <a:rPr lang="it-IT" smtClean="0"/>
-              <a:t>04/12/2022</a:t>
+              <a:t>07/12/22</a:t>
             </a:fld>
             <a:endParaRPr lang="it-IT"/>
           </a:p>
@@ -1577,7 +1576,7 @@
           <a:p>
             <a:fld id="{2FDCBEE4-315A-8E42-835E-29A1DAE07625}" type="datetimeFigureOut">
               <a:rPr lang="it-IT" smtClean="0"/>
-              <a:t>04/12/2022</a:t>
+              <a:t>07/12/22</a:t>
             </a:fld>
             <a:endParaRPr lang="it-IT"/>
           </a:p>
@@ -1886,7 +1885,7 @@
           <a:p>
             <a:fld id="{2FDCBEE4-315A-8E42-835E-29A1DAE07625}" type="datetimeFigureOut">
               <a:rPr lang="it-IT" smtClean="0"/>
-              <a:t>04/12/2022</a:t>
+              <a:t>07/12/22</a:t>
             </a:fld>
             <a:endParaRPr lang="it-IT"/>
           </a:p>
@@ -2329,7 +2328,7 @@
           <a:p>
             <a:fld id="{2FDCBEE4-315A-8E42-835E-29A1DAE07625}" type="datetimeFigureOut">
               <a:rPr lang="it-IT" smtClean="0"/>
-              <a:t>04/12/2022</a:t>
+              <a:t>07/12/22</a:t>
             </a:fld>
             <a:endParaRPr lang="it-IT"/>
           </a:p>
@@ -2470,7 +2469,7 @@
           <a:p>
             <a:fld id="{2FDCBEE4-315A-8E42-835E-29A1DAE07625}" type="datetimeFigureOut">
               <a:rPr lang="it-IT" smtClean="0"/>
-              <a:t>04/12/2022</a:t>
+              <a:t>07/12/22</a:t>
             </a:fld>
             <a:endParaRPr lang="it-IT"/>
           </a:p>
@@ -2589,7 +2588,7 @@
           <a:p>
             <a:fld id="{2FDCBEE4-315A-8E42-835E-29A1DAE07625}" type="datetimeFigureOut">
               <a:rPr lang="it-IT" smtClean="0"/>
-              <a:t>04/12/2022</a:t>
+              <a:t>07/12/22</a:t>
             </a:fld>
             <a:endParaRPr lang="it-IT"/>
           </a:p>
@@ -2888,7 +2887,7 @@
           <a:p>
             <a:fld id="{2FDCBEE4-315A-8E42-835E-29A1DAE07625}" type="datetimeFigureOut">
               <a:rPr lang="it-IT" smtClean="0"/>
-              <a:t>04/12/2022</a:t>
+              <a:t>07/12/22</a:t>
             </a:fld>
             <a:endParaRPr lang="it-IT"/>
           </a:p>
@@ -3164,7 +3163,7 @@
           <a:p>
             <a:fld id="{2FDCBEE4-315A-8E42-835E-29A1DAE07625}" type="datetimeFigureOut">
               <a:rPr lang="it-IT" smtClean="0"/>
-              <a:t>04/12/2022</a:t>
+              <a:t>07/12/22</a:t>
             </a:fld>
             <a:endParaRPr lang="it-IT"/>
           </a:p>
@@ -4350,7 +4349,7 @@
         <p:spPr>
           <a:xfrm>
             <a:off x="397485" y="1642016"/>
-            <a:ext cx="8349029" cy="3170099"/>
+            <a:ext cx="8349029" cy="3477875"/>
           </a:xfrm>
           <a:prstGeom prst="rect">
             <a:avLst/>
@@ -4366,7 +4365,59 @@
             <a:pPr lvl="0"/>
             <a:r>
               <a:rPr lang="en-US" sz="2000" b="1" i="1" dirty="0"/>
-              <a:t>Source:</a:t>
+              <a:t>Source: </a:t>
+            </a:r>
+          </a:p>
+          <a:p>
+            <a:pPr marL="342900" lvl="0" indent="-342900">
+              <a:buFontTx/>
+              <a:buChar char="-"/>
+            </a:pPr>
+            <a:r>
+              <a:rPr lang="en-US" sz="2000" i="1" dirty="0">
+                <a:hlinkClick r:id="rId2"/>
+              </a:rPr>
+              <a:t>http://data.insideairbnb.com/italy/puglia/puglia/2022-09-26/data/listings.csv.gz</a:t>
+            </a:r>
+            <a:endParaRPr lang="en-US" sz="2000" i="1" dirty="0"/>
+          </a:p>
+          <a:p>
+            <a:pPr marL="342900" lvl="0" indent="-342900">
+              <a:buFontTx/>
+              <a:buChar char="-"/>
+            </a:pPr>
+            <a:r>
+              <a:rPr lang="en-US" sz="2000" i="1" dirty="0">
+                <a:hlinkClick r:id="rId3"/>
+              </a:rPr>
+              <a:t>https://randomuser.me</a:t>
+            </a:r>
+            <a:endParaRPr lang="en-US" sz="2000" i="1" dirty="0"/>
+          </a:p>
+          <a:p>
+            <a:pPr marL="342900" lvl="0" indent="-342900">
+              <a:buFontTx/>
+              <a:buChar char="-"/>
+            </a:pPr>
+            <a:r>
+              <a:rPr lang="en-US" sz="2000" i="1" dirty="0"/>
+              <a:t>https://</a:t>
+            </a:r>
+            <a:r>
+              <a:rPr lang="en-US" sz="2000" i="1" dirty="0" err="1"/>
+              <a:t>www.kaggle.com</a:t>
+            </a:r>
+            <a:r>
+              <a:rPr lang="en-US" sz="2000" i="1" dirty="0"/>
+              <a:t>/datasets/</a:t>
+            </a:r>
+            <a:r>
+              <a:rPr lang="en-US" sz="2000" i="1" dirty="0" err="1"/>
+              <a:t>jessemostipak</a:t>
+            </a:r>
+            <a:r>
+              <a:rPr lang="en-US" sz="2000" i="1" dirty="0"/>
+              <a:t>/hotel-booking-demand</a:t>
             </a:r>
           </a:p>
           <a:p>
@@ -4377,7 +4428,23 @@
             <a:pPr lvl="0"/>
             <a:r>
               <a:rPr lang="en-US" sz="2000" b="1" i="1" dirty="0"/>
-              <a:t>Description:</a:t>
+              <a:t>Description: </a:t>
+            </a:r>
+            <a:r>
+              <a:rPr lang="en-US" sz="2000" i="1" dirty="0" err="1"/>
+              <a:t>AirBnb</a:t>
+            </a:r>
+            <a:r>
+              <a:rPr lang="en-US" sz="2000" i="1" dirty="0"/>
+              <a:t> </a:t>
+            </a:r>
+            <a:r>
+              <a:rPr lang="en-US" sz="2000" i="1" dirty="0" err="1"/>
+              <a:t>accomodation</a:t>
+            </a:r>
+            <a:r>
+              <a:rPr lang="en-US" sz="2000" i="1" dirty="0"/>
+              <a:t> list in Puglia, Italy.</a:t>
             </a:r>
           </a:p>
           <a:p>
@@ -4388,8 +4455,13 @@
             <a:pPr lvl="0"/>
             <a:r>
               <a:rPr lang="en-US" sz="2000" b="1" i="1" dirty="0"/>
-              <a:t>Volume:</a:t>
-            </a:r>
+              <a:t>Volume: </a:t>
+            </a:r>
+            <a:r>
+              <a:rPr lang="en-US" sz="2000" i="1" dirty="0"/>
+              <a:t>800MB.</a:t>
+            </a:r>
+            <a:endParaRPr lang="en-US" sz="2000" b="1" i="1" dirty="0"/>
           </a:p>
           <a:p>
             <a:pPr lvl="0"/>
@@ -4403,27 +4475,24 @@
             </a:r>
             <a:r>
               <a:rPr lang="en-US" sz="2000" dirty="0"/>
-              <a:t>: </a:t>
-            </a:r>
-          </a:p>
-          <a:p>
-            <a:pPr lvl="0"/>
-            <a:endParaRPr lang="en-US" sz="2000" b="1" i="1" dirty="0"/>
-          </a:p>
-          <a:p>
-            <a:pPr lvl="0"/>
-            <a:r>
-              <a:rPr lang="en-US" sz="2000" b="1" i="1" dirty="0"/>
-              <a:t>Velocity/Variability</a:t>
+              <a:t>: We have </a:t>
+            </a:r>
+            <a:r>
+              <a:rPr lang="en-US" sz="2000"/>
+              <a:t>multiple sources </a:t>
             </a:r>
             <a:r>
               <a:rPr lang="en-US" sz="2000" dirty="0"/>
-              <a:t>:</a:t>
-            </a:r>
-            <a:endParaRPr lang="it-IT" sz="2000" dirty="0"/>
-          </a:p>
-          <a:p>
-            <a:endParaRPr lang="en-US" sz="2000" dirty="0"/>
+              <a:t>for </a:t>
+            </a:r>
+            <a:r>
+              <a:rPr lang="en-US" sz="2000" dirty="0" err="1"/>
+              <a:t>accomodations</a:t>
+            </a:r>
+            <a:r>
+              <a:rPr lang="en-US" sz="2000" dirty="0"/>
+              <a:t> dataset.</a:t>
+            </a:r>
           </a:p>
         </p:txBody>
       </p:sp>
@@ -5053,73 +5122,6 @@
             </a:br>
             <a:r>
               <a:rPr lang="en-US" dirty="0"/>
-              <a:t>handled by Key-Value DB</a:t>
-            </a:r>
-          </a:p>
-        </p:txBody>
-      </p:sp>
-    </p:spTree>
-    <p:extLst>
-      <p:ext uri="{BB962C8B-B14F-4D97-AF65-F5344CB8AC3E}">
-        <p14:creationId xmlns:p14="http://schemas.microsoft.com/office/powerpoint/2010/main" val="4165861081"/>
-      </p:ext>
-    </p:extLst>
-  </p:cSld>
-  <p:clrMapOvr>
-    <a:masterClrMapping/>
-  </p:clrMapOvr>
-</p:sld>
-</file>
-
-<file path=ppt/slides/slide8.xml><?xml version="1.0" encoding="utf-8"?>
-<p:sld xmlns:a="http://schemas.openxmlformats.org/drawingml/2006/main" xmlns:r="http://schemas.openxmlformats.org/officeDocument/2006/relationships" xmlns:p="http://schemas.openxmlformats.org/presentationml/2006/main">
-  <p:cSld>
-    <p:spTree>
-      <p:nvGrpSpPr>
-        <p:cNvPr id="1" name=""/>
-        <p:cNvGrpSpPr/>
-        <p:nvPr/>
-      </p:nvGrpSpPr>
-      <p:grpSpPr>
-        <a:xfrm>
-          <a:off x="0" y="0"/>
-          <a:ext cx="0" cy="0"/>
-          <a:chOff x="0" y="0"/>
-          <a:chExt cx="0" cy="0"/>
-        </a:xfrm>
-      </p:grpSpPr>
-      <p:sp>
-        <p:nvSpPr>
-          <p:cNvPr id="2" name="Titolo 1">
-            <a:extLst>
-              <a:ext uri="{FF2B5EF4-FFF2-40B4-BE49-F238E27FC236}">
-                <a16:creationId xmlns:a16="http://schemas.microsoft.com/office/drawing/2014/main" id="{B8C7EEC7-48BB-B542-9A2A-E3C09D99B916}"/>
-              </a:ext>
-            </a:extLst>
-          </p:cNvPr>
-          <p:cNvSpPr>
-            <a:spLocks noGrp="1"/>
-          </p:cNvSpPr>
-          <p:nvPr>
-            <p:ph type="title"/>
-          </p:nvPr>
-        </p:nvSpPr>
-        <p:spPr/>
-        <p:txBody>
-          <a:bodyPr>
-            <a:normAutofit fontScale="90000"/>
-          </a:bodyPr>
-          <a:lstStyle/>
-          <a:p>
-            <a:r>
-              <a:rPr lang="en-US" dirty="0"/>
-              <a:t>Requirements and Entities </a:t>
-            </a:r>
-            <a:br>
-              <a:rPr lang="en-US" dirty="0"/>
-            </a:br>
-            <a:r>
-              <a:rPr lang="en-US" dirty="0"/>
               <a:t>handled by Graph DB</a:t>
             </a:r>
           </a:p>
@@ -5514,7 +5516,7 @@
 </p:sld>
 </file>
 
-<file path=ppt/slides/slide9.xml><?xml version="1.0" encoding="utf-8"?>
+<file path=ppt/slides/slide8.xml><?xml version="1.0" encoding="utf-8"?>
 <p:sld xmlns:a="http://schemas.openxmlformats.org/drawingml/2006/main" xmlns:r="http://schemas.openxmlformats.org/officeDocument/2006/relationships" xmlns:p="http://schemas.openxmlformats.org/presentationml/2006/main">
   <p:cSld>
     <p:spTree>
